--- a/Manuals/gui/Screens/analysisfigs.pptx
+++ b/Manuals/gui/Screens/analysisfigs.pptx
@@ -5,10 +5,12 @@
     <p:sldMasterId id="2147483648" r:id="rId1"/>
   </p:sldMasterIdLst>
   <p:notesMasterIdLst>
-    <p:notesMasterId r:id="rId3"/>
+    <p:notesMasterId r:id="rId5"/>
   </p:notesMasterIdLst>
   <p:sldIdLst>
     <p:sldId id="256" r:id="rId2"/>
+    <p:sldId id="257" r:id="rId3"/>
+    <p:sldId id="258" r:id="rId4"/>
   </p:sldIdLst>
   <p:sldSz cx="12192000" cy="6858000"/>
   <p:notesSz cx="6858000" cy="9144000"/>
@@ -3339,7 +3341,7 @@
         </p:blipFill>
         <p:spPr>
           <a:xfrm rot="18197612">
-            <a:off x="5113449" y="2001398"/>
+            <a:off x="2090831" y="3892695"/>
             <a:ext cx="475164" cy="482400"/>
           </a:xfrm>
           <a:prstGeom prst="rect">
@@ -3369,7 +3371,7 @@
         </p:blipFill>
         <p:spPr>
           <a:xfrm rot="21235434">
-            <a:off x="-2792043" y="2197414"/>
+            <a:off x="990816" y="1340930"/>
             <a:ext cx="1331982" cy="1352266"/>
           </a:xfrm>
           <a:prstGeom prst="rect">
@@ -3385,7 +3387,7 @@
         </p:nvGrpSpPr>
         <p:grpSpPr>
           <a:xfrm>
-            <a:off x="-2389940" y="1954873"/>
+            <a:off x="1392919" y="1098389"/>
             <a:ext cx="3225395" cy="1643554"/>
             <a:chOff x="676045" y="2041958"/>
             <a:chExt cx="3225395" cy="1643554"/>
@@ -4003,8 +4005,8 @@
         </p:nvSpPr>
         <p:spPr>
           <a:xfrm>
-            <a:off x="-2190775" y="2619330"/>
-            <a:ext cx="1567543" cy="369332"/>
+            <a:off x="1592084" y="1762846"/>
+            <a:ext cx="2113618" cy="369332"/>
           </a:xfrm>
           <a:prstGeom prst="rect">
             <a:avLst/>
@@ -4037,7 +4039,7 @@
         </p:nvGrpSpPr>
         <p:grpSpPr>
           <a:xfrm>
-            <a:off x="1009576" y="1954873"/>
+            <a:off x="4792435" y="1098389"/>
             <a:ext cx="3225395" cy="1643554"/>
             <a:chOff x="4075561" y="2041958"/>
             <a:chExt cx="3225395" cy="1643554"/>
@@ -4652,7 +4654,7 @@
         </p:nvSpPr>
         <p:spPr>
           <a:xfrm>
-            <a:off x="2805443" y="1280615"/>
+            <a:off x="6588302" y="424131"/>
             <a:ext cx="108000" cy="108000"/>
           </a:xfrm>
           <a:prstGeom prst="ellipse">
@@ -4708,7 +4710,7 @@
         </p:nvCxnSpPr>
         <p:spPr>
           <a:xfrm flipV="1">
-            <a:off x="1990942" y="1372799"/>
+            <a:off x="5773801" y="516315"/>
             <a:ext cx="830317" cy="2002778"/>
           </a:xfrm>
           <a:prstGeom prst="straightConnector1">
@@ -4741,7 +4743,7 @@
         </p:nvSpPr>
         <p:spPr>
           <a:xfrm>
-            <a:off x="2812252" y="1019320"/>
+            <a:off x="6595111" y="162836"/>
             <a:ext cx="702173" cy="369332"/>
           </a:xfrm>
           <a:prstGeom prst="rect">
@@ -4775,7 +4777,7 @@
         </p:nvGrpSpPr>
         <p:grpSpPr>
           <a:xfrm>
-            <a:off x="4415536" y="1954873"/>
+            <a:off x="1392918" y="3846170"/>
             <a:ext cx="3225395" cy="1643554"/>
             <a:chOff x="676045" y="2041958"/>
             <a:chExt cx="3225395" cy="1643554"/>
@@ -5393,7 +5395,7 @@
         </p:nvCxnSpPr>
         <p:spPr>
           <a:xfrm>
-            <a:off x="5039243" y="2208645"/>
+            <a:off x="2016625" y="4099942"/>
             <a:ext cx="281291" cy="1166932"/>
           </a:xfrm>
           <a:prstGeom prst="straightConnector1">
@@ -5426,7 +5428,7 @@
         </p:nvSpPr>
         <p:spPr>
           <a:xfrm>
-            <a:off x="7640931" y="4914038"/>
+            <a:off x="2138159" y="3736458"/>
             <a:ext cx="1567543" cy="369332"/>
           </a:xfrm>
           <a:prstGeom prst="rect">
@@ -5441,12 +5443,8 @@
           <a:lstStyle/>
           <a:p>
             <a:r>
-              <a:rPr lang="en-GB" i="1" dirty="0" smtClean="0"/>
-              <a:t>hv</a:t>
-            </a:r>
-            <a:r>
-              <a:rPr lang="en-GB" dirty="0" smtClean="0"/>
-              <a:t> = 399.1 eV</a:t>
+              <a:rPr lang="en-GB" i="1" smtClean="0"/>
+              <a:t>hv*</a:t>
             </a:r>
             <a:endParaRPr lang="en-GB" i="1" dirty="0"/>
           </a:p>
@@ -5460,7 +5458,7 @@
         </p:nvGrpSpPr>
         <p:grpSpPr>
           <a:xfrm>
-            <a:off x="7637709" y="1954873"/>
+            <a:off x="4789213" y="3846170"/>
             <a:ext cx="3225395" cy="1643554"/>
             <a:chOff x="676045" y="2041958"/>
             <a:chExt cx="3225395" cy="1643554"/>
@@ -6022,7 +6020,7 @@
         </p:nvSpPr>
         <p:spPr>
           <a:xfrm>
-            <a:off x="9137704" y="1437943"/>
+            <a:off x="6289208" y="3329240"/>
             <a:ext cx="108000" cy="108000"/>
           </a:xfrm>
           <a:prstGeom prst="ellipse">
@@ -6077,7 +6075,7 @@
         </p:nvCxnSpPr>
         <p:spPr>
           <a:xfrm flipV="1">
-            <a:off x="8901496" y="1538837"/>
+            <a:off x="6053000" y="3430134"/>
             <a:ext cx="252024" cy="561808"/>
           </a:xfrm>
           <a:prstGeom prst="straightConnector1">
@@ -6110,7 +6108,7 @@
         </p:nvSpPr>
         <p:spPr>
           <a:xfrm>
-            <a:off x="9144513" y="1176648"/>
+            <a:off x="6296017" y="3067945"/>
             <a:ext cx="702173" cy="369332"/>
           </a:xfrm>
           <a:prstGeom prst="rect">
@@ -6136,10 +6134,1515 @@
           </a:p>
         </p:txBody>
       </p:sp>
+      <p:sp>
+        <p:nvSpPr>
+          <p:cNvPr id="161" name="Rektangel 160"/>
+          <p:cNvSpPr/>
+          <p:nvPr/>
+        </p:nvSpPr>
+        <p:spPr>
+          <a:xfrm>
+            <a:off x="1013582" y="238500"/>
+            <a:ext cx="3475194" cy="2776982"/>
+          </a:xfrm>
+          <a:prstGeom prst="rect">
+            <a:avLst/>
+          </a:prstGeom>
+          <a:noFill/>
+          <a:ln w="38100">
+            <a:solidFill>
+              <a:srgbClr val="00B0F0"/>
+            </a:solidFill>
+          </a:ln>
+        </p:spPr>
+        <p:style>
+          <a:lnRef idx="2">
+            <a:schemeClr val="accent1">
+              <a:shade val="50000"/>
+            </a:schemeClr>
+          </a:lnRef>
+          <a:fillRef idx="1">
+            <a:schemeClr val="accent1"/>
+          </a:fillRef>
+          <a:effectRef idx="0">
+            <a:schemeClr val="accent1"/>
+          </a:effectRef>
+          <a:fontRef idx="minor">
+            <a:schemeClr val="lt1"/>
+          </a:fontRef>
+        </p:style>
+        <p:txBody>
+          <a:bodyPr rtlCol="0" anchor="ctr"/>
+          <a:lstStyle/>
+          <a:p>
+            <a:pPr algn="ctr"/>
+            <a:endParaRPr lang="en-GB"/>
+          </a:p>
+        </p:txBody>
+      </p:sp>
+      <p:sp>
+        <p:nvSpPr>
+          <p:cNvPr id="163" name="Rektangel 162"/>
+          <p:cNvSpPr/>
+          <p:nvPr/>
+        </p:nvSpPr>
+        <p:spPr>
+          <a:xfrm>
+            <a:off x="4482626" y="237992"/>
+            <a:ext cx="3475194" cy="2776982"/>
+          </a:xfrm>
+          <a:prstGeom prst="rect">
+            <a:avLst/>
+          </a:prstGeom>
+          <a:noFill/>
+          <a:ln w="38100">
+            <a:solidFill>
+              <a:srgbClr val="00B0F0"/>
+            </a:solidFill>
+          </a:ln>
+        </p:spPr>
+        <p:style>
+          <a:lnRef idx="2">
+            <a:schemeClr val="accent1">
+              <a:shade val="50000"/>
+            </a:schemeClr>
+          </a:lnRef>
+          <a:fillRef idx="1">
+            <a:schemeClr val="accent1"/>
+          </a:fillRef>
+          <a:effectRef idx="0">
+            <a:schemeClr val="accent1"/>
+          </a:effectRef>
+          <a:fontRef idx="minor">
+            <a:schemeClr val="lt1"/>
+          </a:fontRef>
+        </p:style>
+        <p:txBody>
+          <a:bodyPr rtlCol="0" anchor="ctr"/>
+          <a:lstStyle/>
+          <a:p>
+            <a:pPr algn="ctr"/>
+            <a:endParaRPr lang="en-GB"/>
+          </a:p>
+        </p:txBody>
+      </p:sp>
+      <p:sp>
+        <p:nvSpPr>
+          <p:cNvPr id="165" name="Rektangel 164"/>
+          <p:cNvSpPr/>
+          <p:nvPr/>
+        </p:nvSpPr>
+        <p:spPr>
+          <a:xfrm>
+            <a:off x="1013582" y="3024304"/>
+            <a:ext cx="3475194" cy="2776982"/>
+          </a:xfrm>
+          <a:prstGeom prst="rect">
+            <a:avLst/>
+          </a:prstGeom>
+          <a:noFill/>
+          <a:ln w="38100">
+            <a:solidFill>
+              <a:srgbClr val="00B0F0"/>
+            </a:solidFill>
+          </a:ln>
+        </p:spPr>
+        <p:style>
+          <a:lnRef idx="2">
+            <a:schemeClr val="accent1">
+              <a:shade val="50000"/>
+            </a:schemeClr>
+          </a:lnRef>
+          <a:fillRef idx="1">
+            <a:schemeClr val="accent1"/>
+          </a:fillRef>
+          <a:effectRef idx="0">
+            <a:schemeClr val="accent1"/>
+          </a:effectRef>
+          <a:fontRef idx="minor">
+            <a:schemeClr val="lt1"/>
+          </a:fontRef>
+        </p:style>
+        <p:txBody>
+          <a:bodyPr rtlCol="0" anchor="ctr"/>
+          <a:lstStyle/>
+          <a:p>
+            <a:pPr algn="ctr"/>
+            <a:endParaRPr lang="en-GB"/>
+          </a:p>
+        </p:txBody>
+      </p:sp>
+      <p:sp>
+        <p:nvSpPr>
+          <p:cNvPr id="166" name="Rektangel 165"/>
+          <p:cNvSpPr/>
+          <p:nvPr/>
+        </p:nvSpPr>
+        <p:spPr>
+          <a:xfrm>
+            <a:off x="4482626" y="3023796"/>
+            <a:ext cx="3475194" cy="2776982"/>
+          </a:xfrm>
+          <a:prstGeom prst="rect">
+            <a:avLst/>
+          </a:prstGeom>
+          <a:noFill/>
+          <a:ln w="38100">
+            <a:solidFill>
+              <a:srgbClr val="00B0F0"/>
+            </a:solidFill>
+          </a:ln>
+        </p:spPr>
+        <p:style>
+          <a:lnRef idx="2">
+            <a:schemeClr val="accent1">
+              <a:shade val="50000"/>
+            </a:schemeClr>
+          </a:lnRef>
+          <a:fillRef idx="1">
+            <a:schemeClr val="accent1"/>
+          </a:fillRef>
+          <a:effectRef idx="0">
+            <a:schemeClr val="accent1"/>
+          </a:effectRef>
+          <a:fontRef idx="minor">
+            <a:schemeClr val="lt1"/>
+          </a:fontRef>
+        </p:style>
+        <p:txBody>
+          <a:bodyPr rtlCol="0" anchor="ctr"/>
+          <a:lstStyle/>
+          <a:p>
+            <a:pPr algn="ctr"/>
+            <a:endParaRPr lang="en-GB"/>
+          </a:p>
+        </p:txBody>
+      </p:sp>
+      <p:sp>
+        <p:nvSpPr>
+          <p:cNvPr id="168" name="textruta 167"/>
+          <p:cNvSpPr txBox="1"/>
+          <p:nvPr/>
+        </p:nvSpPr>
+        <p:spPr>
+          <a:xfrm>
+            <a:off x="2138159" y="4534497"/>
+            <a:ext cx="702173" cy="369332"/>
+          </a:xfrm>
+          <a:prstGeom prst="rect">
+            <a:avLst/>
+          </a:prstGeom>
+          <a:noFill/>
+        </p:spPr>
+        <p:txBody>
+          <a:bodyPr wrap="square" rtlCol="0">
+            <a:spAutoFit/>
+          </a:bodyPr>
+          <a:lstStyle/>
+          <a:p>
+            <a:r>
+              <a:rPr lang="en-GB" dirty="0" smtClean="0"/>
+              <a:t>e</a:t>
+            </a:r>
+            <a:r>
+              <a:rPr lang="en-GB" baseline="30000" dirty="0" smtClean="0"/>
+              <a:t>-</a:t>
+            </a:r>
+            <a:endParaRPr lang="en-GB" baseline="30000" dirty="0"/>
+          </a:p>
+        </p:txBody>
+      </p:sp>
+      <p:sp>
+        <p:nvSpPr>
+          <p:cNvPr id="169" name="textruta 168"/>
+          <p:cNvSpPr txBox="1"/>
+          <p:nvPr/>
+        </p:nvSpPr>
+        <p:spPr>
+          <a:xfrm>
+            <a:off x="1016794" y="2635526"/>
+            <a:ext cx="3469044" cy="369332"/>
+          </a:xfrm>
+          <a:prstGeom prst="rect">
+            <a:avLst/>
+          </a:prstGeom>
+          <a:noFill/>
+        </p:spPr>
+        <p:txBody>
+          <a:bodyPr wrap="square" rtlCol="0">
+            <a:spAutoFit/>
+          </a:bodyPr>
+          <a:lstStyle/>
+          <a:p>
+            <a:r>
+              <a:rPr lang="en-GB" dirty="0" smtClean="0"/>
+              <a:t>1s</a:t>
+            </a:r>
+            <a:r>
+              <a:rPr lang="en-GB" baseline="30000" dirty="0" smtClean="0"/>
+              <a:t>2</a:t>
+            </a:r>
+            <a:r>
+              <a:rPr lang="en-GB" dirty="0" smtClean="0"/>
+              <a:t>2s</a:t>
+            </a:r>
+            <a:r>
+              <a:rPr lang="en-GB" baseline="30000" dirty="0" smtClean="0"/>
+              <a:t>2</a:t>
+            </a:r>
+            <a:r>
+              <a:rPr lang="en-GB" dirty="0" smtClean="0"/>
+              <a:t>2p</a:t>
+            </a:r>
+            <a:r>
+              <a:rPr lang="en-GB" baseline="30000" dirty="0" smtClean="0"/>
+              <a:t>3</a:t>
+            </a:r>
+            <a:endParaRPr lang="en-GB" baseline="30000" dirty="0"/>
+          </a:p>
+        </p:txBody>
+      </p:sp>
+      <p:sp>
+        <p:nvSpPr>
+          <p:cNvPr id="170" name="textruta 169"/>
+          <p:cNvSpPr txBox="1"/>
+          <p:nvPr/>
+        </p:nvSpPr>
+        <p:spPr>
+          <a:xfrm>
+            <a:off x="4506365" y="2641644"/>
+            <a:ext cx="3469044" cy="369332"/>
+          </a:xfrm>
+          <a:prstGeom prst="rect">
+            <a:avLst/>
+          </a:prstGeom>
+          <a:noFill/>
+        </p:spPr>
+        <p:txBody>
+          <a:bodyPr wrap="square" rtlCol="0">
+            <a:spAutoFit/>
+          </a:bodyPr>
+          <a:lstStyle/>
+          <a:p>
+            <a:r>
+              <a:rPr lang="en-GB" smtClean="0"/>
+              <a:t>1s</a:t>
+            </a:r>
+            <a:r>
+              <a:rPr lang="en-GB" baseline="30000" smtClean="0"/>
+              <a:t>2</a:t>
+            </a:r>
+            <a:r>
+              <a:rPr lang="en-GB" smtClean="0"/>
+              <a:t>2s</a:t>
+            </a:r>
+            <a:r>
+              <a:rPr lang="en-GB" baseline="30000" smtClean="0"/>
+              <a:t>2</a:t>
+            </a:r>
+            <a:r>
+              <a:rPr lang="en-GB" smtClean="0"/>
+              <a:t>2p</a:t>
+            </a:r>
+            <a:r>
+              <a:rPr lang="en-GB" baseline="30000" smtClean="0"/>
+              <a:t>3</a:t>
+            </a:r>
+            <a:r>
+              <a:rPr lang="en-GB" smtClean="0">
+                <a:sym typeface="Wingdings"/>
+              </a:rPr>
+              <a:t>  </a:t>
+            </a:r>
+            <a:r>
+              <a:rPr lang="en-GB" smtClean="0"/>
+              <a:t>(</a:t>
+            </a:r>
+            <a:r>
+              <a:rPr lang="en-GB" dirty="0" smtClean="0"/>
+              <a:t>1s2s</a:t>
+            </a:r>
+            <a:r>
+              <a:rPr lang="en-GB" baseline="30000" dirty="0" smtClean="0"/>
+              <a:t>2</a:t>
+            </a:r>
+            <a:r>
+              <a:rPr lang="en-GB" dirty="0" smtClean="0"/>
+              <a:t>2p</a:t>
+            </a:r>
+            <a:r>
+              <a:rPr lang="en-GB" baseline="30000" dirty="0" smtClean="0"/>
+              <a:t>3</a:t>
+            </a:r>
+            <a:r>
+              <a:rPr lang="en-GB" dirty="0" smtClean="0"/>
+              <a:t>)*</a:t>
+            </a:r>
+            <a:endParaRPr lang="en-GB" baseline="30000" dirty="0"/>
+          </a:p>
+        </p:txBody>
+      </p:sp>
+      <p:sp>
+        <p:nvSpPr>
+          <p:cNvPr id="171" name="textruta 170"/>
+          <p:cNvSpPr txBox="1"/>
+          <p:nvPr/>
+        </p:nvSpPr>
+        <p:spPr>
+          <a:xfrm>
+            <a:off x="3043120" y="2635991"/>
+            <a:ext cx="1496606" cy="369332"/>
+          </a:xfrm>
+          <a:prstGeom prst="rect">
+            <a:avLst/>
+          </a:prstGeom>
+          <a:noFill/>
+        </p:spPr>
+        <p:txBody>
+          <a:bodyPr wrap="square" rtlCol="0">
+            <a:spAutoFit/>
+          </a:bodyPr>
+          <a:lstStyle/>
+          <a:p>
+            <a:pPr algn="r"/>
+            <a:r>
+              <a:rPr lang="en-GB" b="1" smtClean="0">
+                <a:solidFill>
+                  <a:schemeClr val="accent6">
+                    <a:lumMod val="75000"/>
+                  </a:schemeClr>
+                </a:solidFill>
+              </a:rPr>
+              <a:t>1)</a:t>
+            </a:r>
+            <a:endParaRPr lang="en-GB" b="1" baseline="30000" dirty="0">
+              <a:solidFill>
+                <a:schemeClr val="accent6">
+                  <a:lumMod val="75000"/>
+                </a:schemeClr>
+              </a:solidFill>
+            </a:endParaRPr>
+          </a:p>
+        </p:txBody>
+      </p:sp>
+      <p:sp>
+        <p:nvSpPr>
+          <p:cNvPr id="172" name="textruta 171"/>
+          <p:cNvSpPr txBox="1"/>
+          <p:nvPr/>
+        </p:nvSpPr>
+        <p:spPr>
+          <a:xfrm>
+            <a:off x="6467937" y="2638540"/>
+            <a:ext cx="1496606" cy="369332"/>
+          </a:xfrm>
+          <a:prstGeom prst="rect">
+            <a:avLst/>
+          </a:prstGeom>
+          <a:noFill/>
+        </p:spPr>
+        <p:txBody>
+          <a:bodyPr wrap="square" rtlCol="0">
+            <a:spAutoFit/>
+          </a:bodyPr>
+          <a:lstStyle/>
+          <a:p>
+            <a:pPr algn="r"/>
+            <a:r>
+              <a:rPr lang="en-GB" b="1" dirty="0">
+                <a:solidFill>
+                  <a:schemeClr val="accent6">
+                    <a:lumMod val="75000"/>
+                  </a:schemeClr>
+                </a:solidFill>
+              </a:rPr>
+              <a:t>2</a:t>
+            </a:r>
+            <a:r>
+              <a:rPr lang="en-GB" b="1" dirty="0" smtClean="0">
+                <a:solidFill>
+                  <a:schemeClr val="accent6">
+                    <a:lumMod val="75000"/>
+                  </a:schemeClr>
+                </a:solidFill>
+              </a:rPr>
+              <a:t>)</a:t>
+            </a:r>
+            <a:endParaRPr lang="en-GB" b="1" baseline="30000" dirty="0">
+              <a:solidFill>
+                <a:schemeClr val="accent6">
+                  <a:lumMod val="75000"/>
+                </a:schemeClr>
+              </a:solidFill>
+            </a:endParaRPr>
+          </a:p>
+        </p:txBody>
+      </p:sp>
+      <p:sp>
+        <p:nvSpPr>
+          <p:cNvPr id="173" name="textruta 172"/>
+          <p:cNvSpPr txBox="1"/>
+          <p:nvPr/>
+        </p:nvSpPr>
+        <p:spPr>
+          <a:xfrm>
+            <a:off x="3014284" y="5432302"/>
+            <a:ext cx="1496606" cy="369332"/>
+          </a:xfrm>
+          <a:prstGeom prst="rect">
+            <a:avLst/>
+          </a:prstGeom>
+          <a:noFill/>
+        </p:spPr>
+        <p:txBody>
+          <a:bodyPr wrap="square" rtlCol="0">
+            <a:spAutoFit/>
+          </a:bodyPr>
+          <a:lstStyle/>
+          <a:p>
+            <a:pPr algn="r"/>
+            <a:r>
+              <a:rPr lang="en-GB" b="1" dirty="0">
+                <a:solidFill>
+                  <a:schemeClr val="accent6">
+                    <a:lumMod val="75000"/>
+                  </a:schemeClr>
+                </a:solidFill>
+              </a:rPr>
+              <a:t>3</a:t>
+            </a:r>
+            <a:r>
+              <a:rPr lang="en-GB" b="1" dirty="0" smtClean="0">
+                <a:solidFill>
+                  <a:schemeClr val="accent6">
+                    <a:lumMod val="75000"/>
+                  </a:schemeClr>
+                </a:solidFill>
+              </a:rPr>
+              <a:t>)</a:t>
+            </a:r>
+            <a:endParaRPr lang="en-GB" b="1" baseline="30000" dirty="0">
+              <a:solidFill>
+                <a:schemeClr val="accent6">
+                  <a:lumMod val="75000"/>
+                </a:schemeClr>
+              </a:solidFill>
+            </a:endParaRPr>
+          </a:p>
+        </p:txBody>
+      </p:sp>
+      <p:sp>
+        <p:nvSpPr>
+          <p:cNvPr id="174" name="textruta 173"/>
+          <p:cNvSpPr txBox="1"/>
+          <p:nvPr/>
+        </p:nvSpPr>
+        <p:spPr>
+          <a:xfrm>
+            <a:off x="6439101" y="5434851"/>
+            <a:ext cx="1496606" cy="369332"/>
+          </a:xfrm>
+          <a:prstGeom prst="rect">
+            <a:avLst/>
+          </a:prstGeom>
+          <a:noFill/>
+        </p:spPr>
+        <p:txBody>
+          <a:bodyPr wrap="square" rtlCol="0">
+            <a:spAutoFit/>
+          </a:bodyPr>
+          <a:lstStyle/>
+          <a:p>
+            <a:pPr algn="r"/>
+            <a:r>
+              <a:rPr lang="en-GB" b="1" dirty="0">
+                <a:solidFill>
+                  <a:schemeClr val="accent6">
+                    <a:lumMod val="75000"/>
+                  </a:schemeClr>
+                </a:solidFill>
+              </a:rPr>
+              <a:t>4</a:t>
+            </a:r>
+            <a:r>
+              <a:rPr lang="en-GB" b="1" dirty="0" smtClean="0">
+                <a:solidFill>
+                  <a:schemeClr val="accent6">
+                    <a:lumMod val="75000"/>
+                  </a:schemeClr>
+                </a:solidFill>
+              </a:rPr>
+              <a:t>)</a:t>
+            </a:r>
+            <a:endParaRPr lang="en-GB" b="1" baseline="30000" dirty="0">
+              <a:solidFill>
+                <a:schemeClr val="accent6">
+                  <a:lumMod val="75000"/>
+                </a:schemeClr>
+              </a:solidFill>
+            </a:endParaRPr>
+          </a:p>
+        </p:txBody>
+      </p:sp>
+      <p:sp>
+        <p:nvSpPr>
+          <p:cNvPr id="176" name="textruta 175"/>
+          <p:cNvSpPr txBox="1"/>
+          <p:nvPr/>
+        </p:nvSpPr>
+        <p:spPr>
+          <a:xfrm>
+            <a:off x="1025837" y="5441265"/>
+            <a:ext cx="3469044" cy="369332"/>
+          </a:xfrm>
+          <a:prstGeom prst="rect">
+            <a:avLst/>
+          </a:prstGeom>
+          <a:noFill/>
+        </p:spPr>
+        <p:txBody>
+          <a:bodyPr wrap="square" rtlCol="0">
+            <a:spAutoFit/>
+          </a:bodyPr>
+          <a:lstStyle/>
+          <a:p>
+            <a:r>
+              <a:rPr lang="en-GB" dirty="0" smtClean="0"/>
+              <a:t>(1s2s</a:t>
+            </a:r>
+            <a:r>
+              <a:rPr lang="en-GB" baseline="30000" dirty="0" smtClean="0"/>
+              <a:t>2</a:t>
+            </a:r>
+            <a:r>
+              <a:rPr lang="en-GB" dirty="0" smtClean="0"/>
+              <a:t>2p</a:t>
+            </a:r>
+            <a:r>
+              <a:rPr lang="en-GB" baseline="30000" dirty="0" smtClean="0"/>
+              <a:t>3</a:t>
+            </a:r>
+            <a:r>
+              <a:rPr lang="en-GB" dirty="0" smtClean="0"/>
+              <a:t>)* </a:t>
+            </a:r>
+            <a:r>
+              <a:rPr lang="en-GB" dirty="0" smtClean="0">
+                <a:sym typeface="Wingdings"/>
+              </a:rPr>
+              <a:t> </a:t>
+            </a:r>
+            <a:r>
+              <a:rPr lang="en-GB" dirty="0" smtClean="0"/>
+              <a:t>(1s</a:t>
+            </a:r>
+            <a:r>
+              <a:rPr lang="en-GB" baseline="30000" dirty="0" smtClean="0"/>
+              <a:t>2</a:t>
+            </a:r>
+            <a:r>
+              <a:rPr lang="en-GB" dirty="0" smtClean="0"/>
+              <a:t>2s</a:t>
+            </a:r>
+            <a:r>
+              <a:rPr lang="en-GB" baseline="30000" dirty="0" smtClean="0"/>
+              <a:t>2</a:t>
+            </a:r>
+            <a:r>
+              <a:rPr lang="en-GB" dirty="0" smtClean="0"/>
+              <a:t>2p</a:t>
+            </a:r>
+            <a:r>
+              <a:rPr lang="en-GB" baseline="30000" dirty="0"/>
+              <a:t>2</a:t>
+            </a:r>
+            <a:r>
+              <a:rPr lang="en-GB" dirty="0" smtClean="0"/>
+              <a:t>)*</a:t>
+            </a:r>
+            <a:endParaRPr lang="en-GB" baseline="30000" dirty="0"/>
+          </a:p>
+        </p:txBody>
+      </p:sp>
+      <p:sp>
+        <p:nvSpPr>
+          <p:cNvPr id="177" name="textruta 176"/>
+          <p:cNvSpPr txBox="1"/>
+          <p:nvPr/>
+        </p:nvSpPr>
+        <p:spPr>
+          <a:xfrm>
+            <a:off x="4494881" y="5416849"/>
+            <a:ext cx="3469044" cy="369332"/>
+          </a:xfrm>
+          <a:prstGeom prst="rect">
+            <a:avLst/>
+          </a:prstGeom>
+          <a:noFill/>
+        </p:spPr>
+        <p:txBody>
+          <a:bodyPr wrap="square" rtlCol="0">
+            <a:spAutoFit/>
+          </a:bodyPr>
+          <a:lstStyle/>
+          <a:p>
+            <a:r>
+              <a:rPr lang="en-GB" dirty="0" smtClean="0"/>
+              <a:t>(1s</a:t>
+            </a:r>
+            <a:r>
+              <a:rPr lang="en-GB" baseline="30000" dirty="0" smtClean="0"/>
+              <a:t>2</a:t>
+            </a:r>
+            <a:r>
+              <a:rPr lang="en-GB" dirty="0" smtClean="0"/>
+              <a:t>2s</a:t>
+            </a:r>
+            <a:r>
+              <a:rPr lang="en-GB" baseline="30000" dirty="0" smtClean="0"/>
+              <a:t>2</a:t>
+            </a:r>
+            <a:r>
+              <a:rPr lang="en-GB" dirty="0" smtClean="0"/>
+              <a:t>2p</a:t>
+            </a:r>
+            <a:r>
+              <a:rPr lang="en-GB" baseline="30000" dirty="0"/>
+              <a:t>2</a:t>
+            </a:r>
+            <a:r>
+              <a:rPr lang="en-GB" dirty="0" smtClean="0"/>
+              <a:t>)* </a:t>
+            </a:r>
+            <a:r>
+              <a:rPr lang="en-GB" dirty="0" smtClean="0">
+                <a:sym typeface="Wingdings"/>
+              </a:rPr>
+              <a:t> </a:t>
+            </a:r>
+            <a:r>
+              <a:rPr lang="en-GB" dirty="0" smtClean="0"/>
+              <a:t>(1s</a:t>
+            </a:r>
+            <a:r>
+              <a:rPr lang="en-GB" baseline="30000" dirty="0" smtClean="0"/>
+              <a:t>2</a:t>
+            </a:r>
+            <a:r>
+              <a:rPr lang="en-GB" dirty="0" smtClean="0"/>
+              <a:t>2s</a:t>
+            </a:r>
+            <a:r>
+              <a:rPr lang="en-GB" baseline="30000" dirty="0" smtClean="0"/>
+              <a:t>2</a:t>
+            </a:r>
+            <a:r>
+              <a:rPr lang="en-GB" dirty="0" smtClean="0"/>
+              <a:t>2p)</a:t>
+            </a:r>
+            <a:endParaRPr lang="en-GB" baseline="30000" dirty="0" smtClean="0"/>
+          </a:p>
+        </p:txBody>
+      </p:sp>
     </p:spTree>
     <p:extLst>
       <p:ext uri="{BB962C8B-B14F-4D97-AF65-F5344CB8AC3E}">
         <p14:creationId xmlns:p14="http://schemas.microsoft.com/office/powerpoint/2010/main" val="625084793"/>
+      </p:ext>
+    </p:extLst>
+  </p:cSld>
+  <p:clrMapOvr>
+    <a:masterClrMapping/>
+  </p:clrMapOvr>
+</p:sld>
+</file>
+
+<file path=ppt/slides/slide2.xml><?xml version="1.0" encoding="utf-8"?>
+<p:sld xmlns:a="http://schemas.openxmlformats.org/drawingml/2006/main" xmlns:r="http://schemas.openxmlformats.org/officeDocument/2006/relationships" xmlns:p="http://schemas.openxmlformats.org/presentationml/2006/main">
+  <p:cSld>
+    <p:spTree>
+      <p:nvGrpSpPr>
+        <p:cNvPr id="1" name=""/>
+        <p:cNvGrpSpPr/>
+        <p:nvPr/>
+      </p:nvGrpSpPr>
+      <p:grpSpPr>
+        <a:xfrm>
+          <a:off x="0" y="0"/>
+          <a:ext cx="0" cy="0"/>
+          <a:chOff x="0" y="0"/>
+          <a:chExt cx="0" cy="0"/>
+        </a:xfrm>
+      </p:grpSpPr>
+      <p:pic>
+        <p:nvPicPr>
+          <p:cNvPr id="4" name="Bildobjekt 3"/>
+          <p:cNvPicPr>
+            <a:picLocks noChangeAspect="1"/>
+          </p:cNvPicPr>
+          <p:nvPr/>
+        </p:nvPicPr>
+        <p:blipFill>
+          <a:blip r:embed="rId2">
+            <a:extLst>
+              <a:ext uri="{28A0092B-C50C-407E-A947-70E740481C1C}">
+                <a14:useLocalDpi xmlns:a14="http://schemas.microsoft.com/office/drawing/2010/main" val="0"/>
+              </a:ext>
+            </a:extLst>
+          </a:blip>
+          <a:stretch>
+            <a:fillRect/>
+          </a:stretch>
+        </p:blipFill>
+        <p:spPr>
+          <a:xfrm>
+            <a:off x="764088" y="3025730"/>
+            <a:ext cx="10058400" cy="4815631"/>
+          </a:xfrm>
+          <a:prstGeom prst="rect">
+            <a:avLst/>
+          </a:prstGeom>
+        </p:spPr>
+      </p:pic>
+      <p:sp>
+        <p:nvSpPr>
+          <p:cNvPr id="5" name="Rektangel 4"/>
+          <p:cNvSpPr/>
+          <p:nvPr/>
+        </p:nvSpPr>
+        <p:spPr>
+          <a:xfrm>
+            <a:off x="913373" y="3782860"/>
+            <a:ext cx="3758834" cy="2116898"/>
+          </a:xfrm>
+          <a:prstGeom prst="rect">
+            <a:avLst/>
+          </a:prstGeom>
+          <a:noFill/>
+          <a:ln w="38100">
+            <a:solidFill>
+              <a:srgbClr val="00B0F0"/>
+            </a:solidFill>
+            <a:prstDash val="dash"/>
+          </a:ln>
+        </p:spPr>
+        <p:style>
+          <a:lnRef idx="2">
+            <a:schemeClr val="accent1">
+              <a:shade val="50000"/>
+            </a:schemeClr>
+          </a:lnRef>
+          <a:fillRef idx="1">
+            <a:schemeClr val="accent1"/>
+          </a:fillRef>
+          <a:effectRef idx="0">
+            <a:schemeClr val="accent1"/>
+          </a:effectRef>
+          <a:fontRef idx="minor">
+            <a:schemeClr val="lt1"/>
+          </a:fontRef>
+        </p:style>
+        <p:txBody>
+          <a:bodyPr rtlCol="0" anchor="ctr"/>
+          <a:lstStyle/>
+          <a:p>
+            <a:pPr algn="ctr"/>
+            <a:endParaRPr lang="en-GB"/>
+          </a:p>
+        </p:txBody>
+      </p:sp>
+      <p:sp>
+        <p:nvSpPr>
+          <p:cNvPr id="6" name="Rektangel 5"/>
+          <p:cNvSpPr/>
+          <p:nvPr/>
+        </p:nvSpPr>
+        <p:spPr>
+          <a:xfrm>
+            <a:off x="8531286" y="4133587"/>
+            <a:ext cx="2078259" cy="1299957"/>
+          </a:xfrm>
+          <a:prstGeom prst="rect">
+            <a:avLst/>
+          </a:prstGeom>
+          <a:noFill/>
+          <a:ln w="38100">
+            <a:solidFill>
+              <a:srgbClr val="00B0F0"/>
+            </a:solidFill>
+            <a:prstDash val="dash"/>
+          </a:ln>
+        </p:spPr>
+        <p:style>
+          <a:lnRef idx="2">
+            <a:schemeClr val="accent1">
+              <a:shade val="50000"/>
+            </a:schemeClr>
+          </a:lnRef>
+          <a:fillRef idx="1">
+            <a:schemeClr val="accent1"/>
+          </a:fillRef>
+          <a:effectRef idx="0">
+            <a:schemeClr val="accent1"/>
+          </a:effectRef>
+          <a:fontRef idx="minor">
+            <a:schemeClr val="lt1"/>
+          </a:fontRef>
+        </p:style>
+        <p:txBody>
+          <a:bodyPr rtlCol="0" anchor="ctr"/>
+          <a:lstStyle/>
+          <a:p>
+            <a:pPr algn="ctr"/>
+            <a:endParaRPr lang="en-GB"/>
+          </a:p>
+        </p:txBody>
+      </p:sp>
+      <p:sp>
+        <p:nvSpPr>
+          <p:cNvPr id="7" name="Rektangel 6"/>
+          <p:cNvSpPr/>
+          <p:nvPr/>
+        </p:nvSpPr>
+        <p:spPr>
+          <a:xfrm>
+            <a:off x="4691528" y="6313117"/>
+            <a:ext cx="3513020" cy="1264466"/>
+          </a:xfrm>
+          <a:prstGeom prst="rect">
+            <a:avLst/>
+          </a:prstGeom>
+          <a:noFill/>
+          <a:ln w="38100">
+            <a:solidFill>
+              <a:srgbClr val="00B0F0"/>
+            </a:solidFill>
+            <a:prstDash val="dash"/>
+          </a:ln>
+        </p:spPr>
+        <p:style>
+          <a:lnRef idx="2">
+            <a:schemeClr val="accent1">
+              <a:shade val="50000"/>
+            </a:schemeClr>
+          </a:lnRef>
+          <a:fillRef idx="1">
+            <a:schemeClr val="accent1"/>
+          </a:fillRef>
+          <a:effectRef idx="0">
+            <a:schemeClr val="accent1"/>
+          </a:effectRef>
+          <a:fontRef idx="minor">
+            <a:schemeClr val="lt1"/>
+          </a:fontRef>
+        </p:style>
+        <p:txBody>
+          <a:bodyPr rtlCol="0" anchor="ctr"/>
+          <a:lstStyle/>
+          <a:p>
+            <a:pPr algn="ctr"/>
+            <a:endParaRPr lang="en-GB"/>
+          </a:p>
+        </p:txBody>
+      </p:sp>
+      <p:pic>
+        <p:nvPicPr>
+          <p:cNvPr id="8" name="Bildobjekt 7"/>
+          <p:cNvPicPr>
+            <a:picLocks noChangeAspect="1"/>
+          </p:cNvPicPr>
+          <p:nvPr/>
+        </p:nvPicPr>
+        <p:blipFill>
+          <a:blip r:embed="rId3">
+            <a:extLst>
+              <a:ext uri="{28A0092B-C50C-407E-A947-70E740481C1C}">
+                <a14:useLocalDpi xmlns:a14="http://schemas.microsoft.com/office/drawing/2010/main" val="0"/>
+              </a:ext>
+            </a:extLst>
+          </a:blip>
+          <a:stretch>
+            <a:fillRect/>
+          </a:stretch>
+        </p:blipFill>
+        <p:spPr>
+          <a:xfrm>
+            <a:off x="5308853" y="3500939"/>
+            <a:ext cx="2455683" cy="2336969"/>
+          </a:xfrm>
+          <a:prstGeom prst="rect">
+            <a:avLst/>
+          </a:prstGeom>
+        </p:spPr>
+      </p:pic>
+      <p:pic>
+        <p:nvPicPr>
+          <p:cNvPr id="9" name="Bildobjekt 8"/>
+          <p:cNvPicPr>
+            <a:picLocks noChangeAspect="1"/>
+          </p:cNvPicPr>
+          <p:nvPr/>
+        </p:nvPicPr>
+        <p:blipFill>
+          <a:blip r:embed="rId4">
+            <a:extLst>
+              <a:ext uri="{28A0092B-C50C-407E-A947-70E740481C1C}">
+                <a14:useLocalDpi xmlns:a14="http://schemas.microsoft.com/office/drawing/2010/main" val="0"/>
+              </a:ext>
+            </a:extLst>
+          </a:blip>
+          <a:stretch>
+            <a:fillRect/>
+          </a:stretch>
+        </p:blipFill>
+        <p:spPr>
+          <a:xfrm>
+            <a:off x="5302231" y="397963"/>
+            <a:ext cx="2468929" cy="2336969"/>
+          </a:xfrm>
+          <a:prstGeom prst="rect">
+            <a:avLst/>
+          </a:prstGeom>
+        </p:spPr>
+      </p:pic>
+      <p:pic>
+        <p:nvPicPr>
+          <p:cNvPr id="12" name="Bildobjekt 11"/>
+          <p:cNvPicPr>
+            <a:picLocks noChangeAspect="1"/>
+          </p:cNvPicPr>
+          <p:nvPr/>
+        </p:nvPicPr>
+        <p:blipFill>
+          <a:blip r:embed="rId5">
+            <a:extLst>
+              <a:ext uri="{28A0092B-C50C-407E-A947-70E740481C1C}">
+                <a14:useLocalDpi xmlns:a14="http://schemas.microsoft.com/office/drawing/2010/main" val="0"/>
+              </a:ext>
+            </a:extLst>
+          </a:blip>
+          <a:stretch>
+            <a:fillRect/>
+          </a:stretch>
+        </p:blipFill>
+        <p:spPr>
+          <a:xfrm rot="2791320">
+            <a:off x="6181051" y="1457919"/>
+            <a:ext cx="711291" cy="722123"/>
+          </a:xfrm>
+          <a:prstGeom prst="rect">
+            <a:avLst/>
+          </a:prstGeom>
+        </p:spPr>
+      </p:pic>
+      <p:sp>
+        <p:nvSpPr>
+          <p:cNvPr id="13" name="textruta 12"/>
+          <p:cNvSpPr txBox="1"/>
+          <p:nvPr/>
+        </p:nvSpPr>
+        <p:spPr>
+          <a:xfrm rot="16200000">
+            <a:off x="5639477" y="1363623"/>
+            <a:ext cx="1567543" cy="276999"/>
+          </a:xfrm>
+          <a:prstGeom prst="rect">
+            <a:avLst/>
+          </a:prstGeom>
+          <a:noFill/>
+        </p:spPr>
+        <p:txBody>
+          <a:bodyPr wrap="square" rtlCol="0">
+            <a:spAutoFit/>
+          </a:bodyPr>
+          <a:lstStyle/>
+          <a:p>
+            <a:r>
+              <a:rPr lang="en-GB" sz="1200" i="1" smtClean="0"/>
+              <a:t>hv</a:t>
+            </a:r>
+            <a:r>
+              <a:rPr lang="en-GB" sz="1200" smtClean="0"/>
+              <a:t> = 399.1 eV</a:t>
+            </a:r>
+            <a:endParaRPr lang="en-GB" sz="1200" i="1" dirty="0"/>
+          </a:p>
+        </p:txBody>
+      </p:sp>
+      <p:cxnSp>
+        <p:nvCxnSpPr>
+          <p:cNvPr id="15" name="Rak pil 14"/>
+          <p:cNvCxnSpPr>
+            <a:stCxn id="9" idx="2"/>
+            <a:endCxn id="8" idx="0"/>
+          </p:cNvCxnSpPr>
+          <p:nvPr/>
+        </p:nvCxnSpPr>
+        <p:spPr>
+          <a:xfrm flipH="1">
+            <a:off x="6536695" y="2734932"/>
+            <a:ext cx="1" cy="766007"/>
+          </a:xfrm>
+          <a:prstGeom prst="straightConnector1">
+            <a:avLst/>
+          </a:prstGeom>
+          <a:ln w="38100">
+            <a:tailEnd type="triangle"/>
+          </a:ln>
+        </p:spPr>
+        <p:style>
+          <a:lnRef idx="1">
+            <a:schemeClr val="accent1"/>
+          </a:lnRef>
+          <a:fillRef idx="0">
+            <a:schemeClr val="accent1"/>
+          </a:fillRef>
+          <a:effectRef idx="0">
+            <a:schemeClr val="accent1"/>
+          </a:effectRef>
+          <a:fontRef idx="minor">
+            <a:schemeClr val="tx1"/>
+          </a:fontRef>
+        </p:style>
+      </p:cxnSp>
+      <p:cxnSp>
+        <p:nvCxnSpPr>
+          <p:cNvPr id="20" name="Rak pil 19"/>
+          <p:cNvCxnSpPr/>
+          <p:nvPr/>
+        </p:nvCxnSpPr>
+        <p:spPr>
+          <a:xfrm flipH="1">
+            <a:off x="4747364" y="4872625"/>
+            <a:ext cx="876823" cy="0"/>
+          </a:xfrm>
+          <a:prstGeom prst="straightConnector1">
+            <a:avLst/>
+          </a:prstGeom>
+          <a:ln w="38100">
+            <a:tailEnd type="triangle"/>
+          </a:ln>
+        </p:spPr>
+        <p:style>
+          <a:lnRef idx="1">
+            <a:schemeClr val="accent1"/>
+          </a:lnRef>
+          <a:fillRef idx="0">
+            <a:schemeClr val="accent1"/>
+          </a:fillRef>
+          <a:effectRef idx="0">
+            <a:schemeClr val="accent1"/>
+          </a:effectRef>
+          <a:fontRef idx="minor">
+            <a:schemeClr val="tx1"/>
+          </a:fontRef>
+        </p:style>
+      </p:cxnSp>
+      <p:cxnSp>
+        <p:nvCxnSpPr>
+          <p:cNvPr id="24" name="Rak pil 23"/>
+          <p:cNvCxnSpPr/>
+          <p:nvPr/>
+        </p:nvCxnSpPr>
+        <p:spPr>
+          <a:xfrm flipV="1">
+            <a:off x="7555282" y="4872625"/>
+            <a:ext cx="876823" cy="0"/>
+          </a:xfrm>
+          <a:prstGeom prst="straightConnector1">
+            <a:avLst/>
+          </a:prstGeom>
+          <a:ln w="38100">
+            <a:tailEnd type="triangle"/>
+          </a:ln>
+        </p:spPr>
+        <p:style>
+          <a:lnRef idx="1">
+            <a:schemeClr val="accent1"/>
+          </a:lnRef>
+          <a:fillRef idx="0">
+            <a:schemeClr val="accent1"/>
+          </a:fillRef>
+          <a:effectRef idx="0">
+            <a:schemeClr val="accent1"/>
+          </a:effectRef>
+          <a:fontRef idx="minor">
+            <a:schemeClr val="tx1"/>
+          </a:fontRef>
+        </p:style>
+      </p:cxnSp>
+      <p:cxnSp>
+        <p:nvCxnSpPr>
+          <p:cNvPr id="25" name="Rak pil 24"/>
+          <p:cNvCxnSpPr/>
+          <p:nvPr/>
+        </p:nvCxnSpPr>
+        <p:spPr>
+          <a:xfrm flipH="1">
+            <a:off x="6536693" y="5697961"/>
+            <a:ext cx="1" cy="504000"/>
+          </a:xfrm>
+          <a:prstGeom prst="straightConnector1">
+            <a:avLst/>
+          </a:prstGeom>
+          <a:ln w="38100">
+            <a:tailEnd type="triangle"/>
+          </a:ln>
+        </p:spPr>
+        <p:style>
+          <a:lnRef idx="1">
+            <a:schemeClr val="accent1"/>
+          </a:lnRef>
+          <a:fillRef idx="0">
+            <a:schemeClr val="accent1"/>
+          </a:fillRef>
+          <a:effectRef idx="0">
+            <a:schemeClr val="accent1"/>
+          </a:effectRef>
+          <a:fontRef idx="minor">
+            <a:schemeClr val="tx1"/>
+          </a:fontRef>
+        </p:style>
+      </p:cxnSp>
+      <p:sp>
+        <p:nvSpPr>
+          <p:cNvPr id="26" name="textruta 25"/>
+          <p:cNvSpPr txBox="1"/>
+          <p:nvPr/>
+        </p:nvSpPr>
+        <p:spPr>
+          <a:xfrm>
+            <a:off x="5047414" y="4332739"/>
+            <a:ext cx="1741118" cy="584775"/>
+          </a:xfrm>
+          <a:prstGeom prst="rect">
+            <a:avLst/>
+          </a:prstGeom>
+          <a:noFill/>
+        </p:spPr>
+        <p:txBody>
+          <a:bodyPr wrap="square" rtlCol="0">
+            <a:spAutoFit/>
+          </a:bodyPr>
+          <a:lstStyle/>
+          <a:p>
+            <a:r>
+              <a:rPr lang="en-GB" sz="3200" b="1" smtClean="0">
+                <a:solidFill>
+                  <a:srgbClr val="0070C0"/>
+                </a:solidFill>
+              </a:rPr>
+              <a:t>X</a:t>
+            </a:r>
+            <a:endParaRPr lang="en-GB" sz="3200" b="1">
+              <a:solidFill>
+                <a:srgbClr val="0070C0"/>
+              </a:solidFill>
+            </a:endParaRPr>
+          </a:p>
+        </p:txBody>
+      </p:sp>
+      <p:sp>
+        <p:nvSpPr>
+          <p:cNvPr id="27" name="textruta 26"/>
+          <p:cNvSpPr txBox="1"/>
+          <p:nvPr/>
+        </p:nvSpPr>
+        <p:spPr>
+          <a:xfrm>
+            <a:off x="6561748" y="5651754"/>
+            <a:ext cx="1741118" cy="584775"/>
+          </a:xfrm>
+          <a:prstGeom prst="rect">
+            <a:avLst/>
+          </a:prstGeom>
+          <a:noFill/>
+        </p:spPr>
+        <p:txBody>
+          <a:bodyPr wrap="square" rtlCol="0">
+            <a:spAutoFit/>
+          </a:bodyPr>
+          <a:lstStyle/>
+          <a:p>
+            <a:r>
+              <a:rPr lang="en-GB" sz="3200" b="1" dirty="0" smtClean="0">
+                <a:solidFill>
+                  <a:srgbClr val="0070C0"/>
+                </a:solidFill>
+              </a:rPr>
+              <a:t>Z</a:t>
+            </a:r>
+            <a:endParaRPr lang="en-GB" sz="3200" b="1" dirty="0">
+              <a:solidFill>
+                <a:srgbClr val="0070C0"/>
+              </a:solidFill>
+            </a:endParaRPr>
+          </a:p>
+        </p:txBody>
+      </p:sp>
+      <p:sp>
+        <p:nvSpPr>
+          <p:cNvPr id="28" name="textruta 27"/>
+          <p:cNvSpPr txBox="1"/>
+          <p:nvPr/>
+        </p:nvSpPr>
+        <p:spPr>
+          <a:xfrm>
+            <a:off x="7771160" y="4346733"/>
+            <a:ext cx="1741118" cy="584775"/>
+          </a:xfrm>
+          <a:prstGeom prst="rect">
+            <a:avLst/>
+          </a:prstGeom>
+          <a:noFill/>
+        </p:spPr>
+        <p:txBody>
+          <a:bodyPr wrap="square" rtlCol="0">
+            <a:spAutoFit/>
+          </a:bodyPr>
+          <a:lstStyle/>
+          <a:p>
+            <a:r>
+              <a:rPr lang="en-GB" sz="3200" b="1" dirty="0">
+                <a:solidFill>
+                  <a:srgbClr val="0070C0"/>
+                </a:solidFill>
+              </a:rPr>
+              <a:t>Y</a:t>
+            </a:r>
+          </a:p>
+        </p:txBody>
+      </p:sp>
+      <p:sp>
+        <p:nvSpPr>
+          <p:cNvPr id="29" name="textruta 28"/>
+          <p:cNvSpPr txBox="1"/>
+          <p:nvPr/>
+        </p:nvSpPr>
+        <p:spPr>
+          <a:xfrm>
+            <a:off x="913372" y="3321195"/>
+            <a:ext cx="2781805" cy="461665"/>
+          </a:xfrm>
+          <a:prstGeom prst="rect">
+            <a:avLst/>
+          </a:prstGeom>
+          <a:noFill/>
+        </p:spPr>
+        <p:txBody>
+          <a:bodyPr wrap="square" rtlCol="0">
+            <a:spAutoFit/>
+          </a:bodyPr>
+          <a:lstStyle/>
+          <a:p>
+            <a:r>
+              <a:rPr lang="en-GB" sz="2400" smtClean="0">
+                <a:solidFill>
+                  <a:srgbClr val="0070C0"/>
+                </a:solidFill>
+              </a:rPr>
+              <a:t>Loss: None.</a:t>
+            </a:r>
+            <a:endParaRPr lang="en-GB" sz="2400">
+              <a:solidFill>
+                <a:srgbClr val="0070C0"/>
+              </a:solidFill>
+            </a:endParaRPr>
+          </a:p>
+        </p:txBody>
+      </p:sp>
+      <p:sp>
+        <p:nvSpPr>
+          <p:cNvPr id="30" name="textruta 29"/>
+          <p:cNvSpPr txBox="1"/>
+          <p:nvPr/>
+        </p:nvSpPr>
+        <p:spPr>
+          <a:xfrm>
+            <a:off x="8434384" y="3671922"/>
+            <a:ext cx="1984514" cy="461665"/>
+          </a:xfrm>
+          <a:prstGeom prst="rect">
+            <a:avLst/>
+          </a:prstGeom>
+          <a:noFill/>
+        </p:spPr>
+        <p:txBody>
+          <a:bodyPr wrap="square" rtlCol="0">
+            <a:spAutoFit/>
+          </a:bodyPr>
+          <a:lstStyle/>
+          <a:p>
+            <a:r>
+              <a:rPr lang="en-GB" sz="2400" dirty="0" smtClean="0">
+                <a:solidFill>
+                  <a:srgbClr val="0070C0"/>
+                </a:solidFill>
+              </a:rPr>
+              <a:t>Loss: C, 4H.</a:t>
+            </a:r>
+            <a:endParaRPr lang="en-GB" sz="2400" dirty="0">
+              <a:solidFill>
+                <a:srgbClr val="0070C0"/>
+              </a:solidFill>
+            </a:endParaRPr>
+          </a:p>
+        </p:txBody>
+      </p:sp>
+      <p:sp>
+        <p:nvSpPr>
+          <p:cNvPr id="31" name="textruta 30"/>
+          <p:cNvSpPr txBox="1"/>
+          <p:nvPr/>
+        </p:nvSpPr>
+        <p:spPr>
+          <a:xfrm>
+            <a:off x="4691528" y="5854472"/>
+            <a:ext cx="1741118" cy="461665"/>
+          </a:xfrm>
+          <a:prstGeom prst="rect">
+            <a:avLst/>
+          </a:prstGeom>
+          <a:noFill/>
+        </p:spPr>
+        <p:txBody>
+          <a:bodyPr wrap="square" rtlCol="0">
+            <a:spAutoFit/>
+          </a:bodyPr>
+          <a:lstStyle/>
+          <a:p>
+            <a:r>
+              <a:rPr lang="en-GB" sz="2400" dirty="0" smtClean="0">
+                <a:solidFill>
+                  <a:srgbClr val="0070C0"/>
+                </a:solidFill>
+              </a:rPr>
+              <a:t>Loss: 4H.</a:t>
+            </a:r>
+            <a:endParaRPr lang="en-GB" sz="2400" dirty="0">
+              <a:solidFill>
+                <a:srgbClr val="0070C0"/>
+              </a:solidFill>
+            </a:endParaRPr>
+          </a:p>
+        </p:txBody>
+      </p:sp>
+    </p:spTree>
+    <p:extLst>
+      <p:ext uri="{BB962C8B-B14F-4D97-AF65-F5344CB8AC3E}">
+        <p14:creationId xmlns:p14="http://schemas.microsoft.com/office/powerpoint/2010/main" val="1171777356"/>
+      </p:ext>
+    </p:extLst>
+  </p:cSld>
+  <p:clrMapOvr>
+    <a:masterClrMapping/>
+  </p:clrMapOvr>
+</p:sld>
+</file>
+
+<file path=ppt/slides/slide3.xml><?xml version="1.0" encoding="utf-8"?>
+<p:sld xmlns:a="http://schemas.openxmlformats.org/drawingml/2006/main" xmlns:r="http://schemas.openxmlformats.org/officeDocument/2006/relationships" xmlns:p="http://schemas.openxmlformats.org/presentationml/2006/main">
+  <p:cSld>
+    <p:spTree>
+      <p:nvGrpSpPr>
+        <p:cNvPr id="1" name=""/>
+        <p:cNvGrpSpPr/>
+        <p:nvPr/>
+      </p:nvGrpSpPr>
+      <p:grpSpPr>
+        <a:xfrm>
+          <a:off x="0" y="0"/>
+          <a:ext cx="0" cy="0"/>
+          <a:chOff x="0" y="0"/>
+          <a:chExt cx="0" cy="0"/>
+        </a:xfrm>
+      </p:grpSpPr>
+      <p:sp>
+        <p:nvSpPr>
+          <p:cNvPr id="2" name="Rubrik 1"/>
+          <p:cNvSpPr>
+            <a:spLocks noGrp="1"/>
+          </p:cNvSpPr>
+          <p:nvPr>
+            <p:ph type="title"/>
+          </p:nvPr>
+        </p:nvSpPr>
+        <p:spPr/>
+        <p:txBody>
+          <a:bodyPr/>
+          <a:lstStyle/>
+          <a:p>
+            <a:r>
+              <a:rPr lang="en-GB" dirty="0" smtClean="0"/>
+              <a:t>Coulombic repulsion.</a:t>
+            </a:r>
+            <a:endParaRPr lang="en-GB" dirty="0"/>
+          </a:p>
+        </p:txBody>
+      </p:sp>
+      <p:pic>
+        <p:nvPicPr>
+          <p:cNvPr id="4" name="Platshållare för innehåll 3"/>
+          <p:cNvPicPr>
+            <a:picLocks noGrp="1" noChangeAspect="1"/>
+          </p:cNvPicPr>
+          <p:nvPr>
+            <p:ph idx="1"/>
+          </p:nvPr>
+        </p:nvPicPr>
+        <p:blipFill>
+          <a:blip r:embed="rId2">
+            <a:extLst>
+              <a:ext uri="{28A0092B-C50C-407E-A947-70E740481C1C}">
+                <a14:useLocalDpi xmlns:a14="http://schemas.microsoft.com/office/drawing/2010/main" val="0"/>
+              </a:ext>
+            </a:extLst>
+          </a:blip>
+          <a:stretch>
+            <a:fillRect/>
+          </a:stretch>
+        </p:blipFill>
+        <p:spPr>
+          <a:xfrm>
+            <a:off x="6819467" y="0"/>
+            <a:ext cx="4396546" cy="4351338"/>
+          </a:xfrm>
+        </p:spPr>
+      </p:pic>
+      <p:pic>
+        <p:nvPicPr>
+          <p:cNvPr id="5" name="Bildobjekt 4"/>
+          <p:cNvPicPr>
+            <a:picLocks noChangeAspect="1"/>
+          </p:cNvPicPr>
+          <p:nvPr/>
+        </p:nvPicPr>
+        <p:blipFill>
+          <a:blip r:embed="rId3">
+            <a:extLst>
+              <a:ext uri="{28A0092B-C50C-407E-A947-70E740481C1C}">
+                <a14:useLocalDpi xmlns:a14="http://schemas.microsoft.com/office/drawing/2010/main" val="0"/>
+              </a:ext>
+            </a:extLst>
+          </a:blip>
+          <a:stretch>
+            <a:fillRect/>
+          </a:stretch>
+        </p:blipFill>
+        <p:spPr>
+          <a:xfrm>
+            <a:off x="275573" y="4737100"/>
+            <a:ext cx="10452100" cy="2120900"/>
+          </a:xfrm>
+          <a:prstGeom prst="rect">
+            <a:avLst/>
+          </a:prstGeom>
+        </p:spPr>
+      </p:pic>
+    </p:spTree>
+    <p:extLst>
+      <p:ext uri="{BB962C8B-B14F-4D97-AF65-F5344CB8AC3E}">
+        <p14:creationId xmlns:p14="http://schemas.microsoft.com/office/powerpoint/2010/main" val="1372801849"/>
       </p:ext>
     </p:extLst>
   </p:cSld>
